--- a/Проект по pygame.pptx
+++ b/Проект по pygame.pptx
@@ -10,6 +10,9 @@
     <p:sldId id="258" r:id="rId4"/>
     <p:sldId id="259" r:id="rId5"/>
     <p:sldId id="260" r:id="rId6"/>
+    <p:sldId id="261" r:id="rId7"/>
+    <p:sldId id="263" r:id="rId8"/>
+    <p:sldId id="262" r:id="rId9"/>
   </p:sldIdLst>
   <p:sldSz cx="9144000" cy="6858000" type="screen4x3"/>
   <p:notesSz cx="6858000" cy="9144000"/>
@@ -292,7 +295,8 @@
           <a:p>
             <a:fld id="{C568A56F-C71A-4C9D-BF6B-6B2383119D43}" type="datetimeFigureOut">
               <a:rPr lang="ru-RU" smtClean="0"/>
-              <a:t>11.01.2022</a:t>
+              <a:pPr/>
+              <a:t>27.01.2022</a:t>
             </a:fld>
             <a:endParaRPr lang="ru-RU"/>
           </a:p>
@@ -334,6 +338,7 @@
           <a:p>
             <a:fld id="{159E8897-CF9B-4935-AB4B-87476E713858}" type="slidenum">
               <a:rPr lang="ru-RU" smtClean="0"/>
+              <a:pPr/>
               <a:t>‹#›</a:t>
             </a:fld>
             <a:endParaRPr lang="ru-RU"/>
@@ -457,7 +462,8 @@
           <a:p>
             <a:fld id="{C568A56F-C71A-4C9D-BF6B-6B2383119D43}" type="datetimeFigureOut">
               <a:rPr lang="ru-RU" smtClean="0"/>
-              <a:t>11.01.2022</a:t>
+              <a:pPr/>
+              <a:t>27.01.2022</a:t>
             </a:fld>
             <a:endParaRPr lang="ru-RU"/>
           </a:p>
@@ -499,6 +505,7 @@
           <a:p>
             <a:fld id="{159E8897-CF9B-4935-AB4B-87476E713858}" type="slidenum">
               <a:rPr lang="ru-RU" smtClean="0"/>
+              <a:pPr/>
               <a:t>‹#›</a:t>
             </a:fld>
             <a:endParaRPr lang="ru-RU"/>
@@ -632,7 +639,8 @@
           <a:p>
             <a:fld id="{C568A56F-C71A-4C9D-BF6B-6B2383119D43}" type="datetimeFigureOut">
               <a:rPr lang="ru-RU" smtClean="0"/>
-              <a:t>11.01.2022</a:t>
+              <a:pPr/>
+              <a:t>27.01.2022</a:t>
             </a:fld>
             <a:endParaRPr lang="ru-RU"/>
           </a:p>
@@ -674,6 +682,7 @@
           <a:p>
             <a:fld id="{159E8897-CF9B-4935-AB4B-87476E713858}" type="slidenum">
               <a:rPr lang="ru-RU" smtClean="0"/>
+              <a:pPr/>
               <a:t>‹#›</a:t>
             </a:fld>
             <a:endParaRPr lang="ru-RU"/>
@@ -797,7 +806,8 @@
           <a:p>
             <a:fld id="{C568A56F-C71A-4C9D-BF6B-6B2383119D43}" type="datetimeFigureOut">
               <a:rPr lang="ru-RU" smtClean="0"/>
-              <a:t>11.01.2022</a:t>
+              <a:pPr/>
+              <a:t>27.01.2022</a:t>
             </a:fld>
             <a:endParaRPr lang="ru-RU"/>
           </a:p>
@@ -839,6 +849,7 @@
           <a:p>
             <a:fld id="{159E8897-CF9B-4935-AB4B-87476E713858}" type="slidenum">
               <a:rPr lang="ru-RU" smtClean="0"/>
+              <a:pPr/>
               <a:t>‹#›</a:t>
             </a:fld>
             <a:endParaRPr lang="ru-RU"/>
@@ -1038,7 +1049,8 @@
           <a:p>
             <a:fld id="{C568A56F-C71A-4C9D-BF6B-6B2383119D43}" type="datetimeFigureOut">
               <a:rPr lang="ru-RU" smtClean="0"/>
-              <a:t>11.01.2022</a:t>
+              <a:pPr/>
+              <a:t>27.01.2022</a:t>
             </a:fld>
             <a:endParaRPr lang="ru-RU"/>
           </a:p>
@@ -1080,6 +1092,7 @@
           <a:p>
             <a:fld id="{159E8897-CF9B-4935-AB4B-87476E713858}" type="slidenum">
               <a:rPr lang="ru-RU" smtClean="0"/>
+              <a:pPr/>
               <a:t>‹#›</a:t>
             </a:fld>
             <a:endParaRPr lang="ru-RU"/>
@@ -1321,7 +1334,8 @@
           <a:p>
             <a:fld id="{C568A56F-C71A-4C9D-BF6B-6B2383119D43}" type="datetimeFigureOut">
               <a:rPr lang="ru-RU" smtClean="0"/>
-              <a:t>11.01.2022</a:t>
+              <a:pPr/>
+              <a:t>27.01.2022</a:t>
             </a:fld>
             <a:endParaRPr lang="ru-RU"/>
           </a:p>
@@ -1363,6 +1377,7 @@
           <a:p>
             <a:fld id="{159E8897-CF9B-4935-AB4B-87476E713858}" type="slidenum">
               <a:rPr lang="ru-RU" smtClean="0"/>
+              <a:pPr/>
               <a:t>‹#›</a:t>
             </a:fld>
             <a:endParaRPr lang="ru-RU"/>
@@ -1738,7 +1753,8 @@
           <a:p>
             <a:fld id="{C568A56F-C71A-4C9D-BF6B-6B2383119D43}" type="datetimeFigureOut">
               <a:rPr lang="ru-RU" smtClean="0"/>
-              <a:t>11.01.2022</a:t>
+              <a:pPr/>
+              <a:t>27.01.2022</a:t>
             </a:fld>
             <a:endParaRPr lang="ru-RU"/>
           </a:p>
@@ -1780,6 +1796,7 @@
           <a:p>
             <a:fld id="{159E8897-CF9B-4935-AB4B-87476E713858}" type="slidenum">
               <a:rPr lang="ru-RU" smtClean="0"/>
+              <a:pPr/>
               <a:t>‹#›</a:t>
             </a:fld>
             <a:endParaRPr lang="ru-RU"/>
@@ -1851,7 +1868,8 @@
           <a:p>
             <a:fld id="{C568A56F-C71A-4C9D-BF6B-6B2383119D43}" type="datetimeFigureOut">
               <a:rPr lang="ru-RU" smtClean="0"/>
-              <a:t>11.01.2022</a:t>
+              <a:pPr/>
+              <a:t>27.01.2022</a:t>
             </a:fld>
             <a:endParaRPr lang="ru-RU"/>
           </a:p>
@@ -1893,6 +1911,7 @@
           <a:p>
             <a:fld id="{159E8897-CF9B-4935-AB4B-87476E713858}" type="slidenum">
               <a:rPr lang="ru-RU" smtClean="0"/>
+              <a:pPr/>
               <a:t>‹#›</a:t>
             </a:fld>
             <a:endParaRPr lang="ru-RU"/>
@@ -1941,7 +1960,8 @@
           <a:p>
             <a:fld id="{C568A56F-C71A-4C9D-BF6B-6B2383119D43}" type="datetimeFigureOut">
               <a:rPr lang="ru-RU" smtClean="0"/>
-              <a:t>11.01.2022</a:t>
+              <a:pPr/>
+              <a:t>27.01.2022</a:t>
             </a:fld>
             <a:endParaRPr lang="ru-RU"/>
           </a:p>
@@ -1983,6 +2003,7 @@
           <a:p>
             <a:fld id="{159E8897-CF9B-4935-AB4B-87476E713858}" type="slidenum">
               <a:rPr lang="ru-RU" smtClean="0"/>
+              <a:pPr/>
               <a:t>‹#›</a:t>
             </a:fld>
             <a:endParaRPr lang="ru-RU"/>
@@ -2213,7 +2234,8 @@
           <a:p>
             <a:fld id="{C568A56F-C71A-4C9D-BF6B-6B2383119D43}" type="datetimeFigureOut">
               <a:rPr lang="ru-RU" smtClean="0"/>
-              <a:t>11.01.2022</a:t>
+              <a:pPr/>
+              <a:t>27.01.2022</a:t>
             </a:fld>
             <a:endParaRPr lang="ru-RU"/>
           </a:p>
@@ -2255,6 +2277,7 @@
           <a:p>
             <a:fld id="{159E8897-CF9B-4935-AB4B-87476E713858}" type="slidenum">
               <a:rPr lang="ru-RU" smtClean="0"/>
+              <a:pPr/>
               <a:t>‹#›</a:t>
             </a:fld>
             <a:endParaRPr lang="ru-RU"/>
@@ -2461,7 +2484,8 @@
           <a:p>
             <a:fld id="{C568A56F-C71A-4C9D-BF6B-6B2383119D43}" type="datetimeFigureOut">
               <a:rPr lang="ru-RU" smtClean="0"/>
-              <a:t>11.01.2022</a:t>
+              <a:pPr/>
+              <a:t>27.01.2022</a:t>
             </a:fld>
             <a:endParaRPr lang="ru-RU"/>
           </a:p>
@@ -2503,6 +2527,7 @@
           <a:p>
             <a:fld id="{159E8897-CF9B-4935-AB4B-87476E713858}" type="slidenum">
               <a:rPr lang="ru-RU" smtClean="0"/>
+              <a:pPr/>
               <a:t>‹#›</a:t>
             </a:fld>
             <a:endParaRPr lang="ru-RU"/>
@@ -2678,7 +2703,8 @@
           <a:p>
             <a:fld id="{C568A56F-C71A-4C9D-BF6B-6B2383119D43}" type="datetimeFigureOut">
               <a:rPr lang="ru-RU" smtClean="0"/>
-              <a:t>11.01.2022</a:t>
+              <a:pPr/>
+              <a:t>27.01.2022</a:t>
             </a:fld>
             <a:endParaRPr lang="ru-RU"/>
           </a:p>
@@ -2756,6 +2782,7 @@
           <a:p>
             <a:fld id="{159E8897-CF9B-4935-AB4B-87476E713858}" type="slidenum">
               <a:rPr lang="ru-RU" smtClean="0"/>
+              <a:pPr/>
               <a:t>‹#›</a:t>
             </a:fld>
             <a:endParaRPr lang="ru-RU"/>
@@ -3127,6 +3154,13 @@
   <p:clrMapOvr>
     <a:masterClrMapping/>
   </p:clrMapOvr>
+  <p:timing>
+    <p:tnLst>
+      <p:par>
+        <p:cTn id="1" dur="indefinite" restart="never" nodeType="tmRoot"/>
+      </p:par>
+    </p:tnLst>
+  </p:timing>
 </p:sld>
 </file>
 
@@ -3197,19 +3231,7 @@
           <a:p>
             <a:r>
               <a:rPr lang="ru-RU" sz="2400" dirty="0" smtClean="0"/>
-              <a:t>Игра представляет собой смесь из жанров – взято за основу жанр игр </a:t>
-            </a:r>
-            <a:r>
-              <a:rPr lang="en-US" sz="2400" dirty="0" err="1" smtClean="0"/>
-              <a:t>roguelike</a:t>
-            </a:r>
-            <a:r>
-              <a:rPr lang="ru-RU" sz="2400" dirty="0" smtClean="0"/>
-              <a:t> и </a:t>
-            </a:r>
-            <a:r>
-              <a:rPr lang="en-US" sz="2400" dirty="0" err="1" smtClean="0"/>
-              <a:t>rpg</a:t>
+              <a:t>Игра представляет собой смесь разных игр</a:t>
             </a:r>
             <a:r>
               <a:rPr lang="en-US" sz="2400" dirty="0" smtClean="0"/>
@@ -3217,7 +3239,7 @@
             </a:r>
             <a:r>
               <a:rPr lang="ru-RU" sz="2400" dirty="0" smtClean="0"/>
-              <a:t>У игрока есть команда из 3 персонажей – воин, маг, разбойник – у каждого из героя есть своя способность, которую игрок может применить в ходе игры.</a:t>
+              <a:t>У игрока есть команда из 3 персонажей – воин, маг, вор – у каждого из героев есть своя способность, которую игрок может применить в ходе игры.</a:t>
             </a:r>
           </a:p>
           <a:p>
@@ -3257,11 +3279,148 @@
           </a:p>
         </p:txBody>
       </p:sp>
+      <p:pic>
+        <p:nvPicPr>
+          <p:cNvPr id="1026" name="Picture 2" descr="C:\Users\79199\PycharmProjects\python_pygame12\data\150mage_right.png"/>
+          <p:cNvPicPr>
+            <a:picLocks noChangeAspect="1" noChangeArrowheads="1"/>
+          </p:cNvPicPr>
+          <p:nvPr/>
+        </p:nvPicPr>
+        <p:blipFill>
+          <a:blip r:embed="rId2" cstate="print"/>
+          <a:srcRect/>
+          <a:stretch>
+            <a:fillRect/>
+          </a:stretch>
+        </p:blipFill>
+        <p:spPr bwMode="auto">
+          <a:xfrm>
+            <a:off x="1043608" y="4653136"/>
+            <a:ext cx="1368152" cy="1368152"/>
+          </a:xfrm>
+          <a:prstGeom prst="rect">
+            <a:avLst/>
+          </a:prstGeom>
+          <a:noFill/>
+        </p:spPr>
+      </p:pic>
+      <p:pic>
+        <p:nvPicPr>
+          <p:cNvPr id="1028" name="Picture 4" descr="C:\Users\79199\PycharmProjects\python_pygame12\data\150warrior_right.png"/>
+          <p:cNvPicPr>
+            <a:picLocks noChangeAspect="1" noChangeArrowheads="1"/>
+          </p:cNvPicPr>
+          <p:nvPr/>
+        </p:nvPicPr>
+        <p:blipFill>
+          <a:blip r:embed="rId3" cstate="print"/>
+          <a:srcRect/>
+          <a:stretch>
+            <a:fillRect/>
+          </a:stretch>
+        </p:blipFill>
+        <p:spPr bwMode="auto">
+          <a:xfrm>
+            <a:off x="2555776" y="4653136"/>
+            <a:ext cx="1428750" cy="1428750"/>
+          </a:xfrm>
+          <a:prstGeom prst="rect">
+            <a:avLst/>
+          </a:prstGeom>
+          <a:noFill/>
+        </p:spPr>
+      </p:pic>
+      <p:pic>
+        <p:nvPicPr>
+          <p:cNvPr id="1029" name="Picture 5" descr="C:\Users\79199\PycharmProjects\python_pygame12\data\150freezing_trap.png"/>
+          <p:cNvPicPr>
+            <a:picLocks noChangeAspect="1" noChangeArrowheads="1"/>
+          </p:cNvPicPr>
+          <p:nvPr/>
+        </p:nvPicPr>
+        <p:blipFill>
+          <a:blip r:embed="rId4" cstate="print"/>
+          <a:srcRect/>
+          <a:stretch>
+            <a:fillRect/>
+          </a:stretch>
+        </p:blipFill>
+        <p:spPr bwMode="auto">
+          <a:xfrm>
+            <a:off x="5292080" y="4653136"/>
+            <a:ext cx="1428750" cy="1428750"/>
+          </a:xfrm>
+          <a:prstGeom prst="rect">
+            <a:avLst/>
+          </a:prstGeom>
+          <a:noFill/>
+        </p:spPr>
+      </p:pic>
+      <p:pic>
+        <p:nvPicPr>
+          <p:cNvPr id="1030" name="Picture 6" descr="C:\Users\79199\PycharmProjects\python_pygame12\data\150fake_gold_trap.png"/>
+          <p:cNvPicPr>
+            <a:picLocks noChangeAspect="1" noChangeArrowheads="1"/>
+          </p:cNvPicPr>
+          <p:nvPr/>
+        </p:nvPicPr>
+        <p:blipFill>
+          <a:blip r:embed="rId5" cstate="print"/>
+          <a:srcRect/>
+          <a:stretch>
+            <a:fillRect/>
+          </a:stretch>
+        </p:blipFill>
+        <p:spPr bwMode="auto">
+          <a:xfrm>
+            <a:off x="6876256" y="4581128"/>
+            <a:ext cx="1428750" cy="1428750"/>
+          </a:xfrm>
+          <a:prstGeom prst="rect">
+            <a:avLst/>
+          </a:prstGeom>
+          <a:noFill/>
+        </p:spPr>
+      </p:pic>
+      <p:pic>
+        <p:nvPicPr>
+          <p:cNvPr id="1031" name="Picture 7" descr="C:\Users\79199\PycharmProjects\python_pygame12\data\150door.PNG"/>
+          <p:cNvPicPr>
+            <a:picLocks noChangeAspect="1" noChangeArrowheads="1"/>
+          </p:cNvPicPr>
+          <p:nvPr/>
+        </p:nvPicPr>
+        <p:blipFill>
+          <a:blip r:embed="rId6" cstate="print"/>
+          <a:srcRect/>
+          <a:stretch>
+            <a:fillRect/>
+          </a:stretch>
+        </p:blipFill>
+        <p:spPr bwMode="auto">
+          <a:xfrm>
+            <a:off x="3876675" y="4689475"/>
+            <a:ext cx="1428750" cy="1428750"/>
+          </a:xfrm>
+          <a:prstGeom prst="rect">
+            <a:avLst/>
+          </a:prstGeom>
+          <a:noFill/>
+        </p:spPr>
+      </p:pic>
     </p:spTree>
   </p:cSld>
   <p:clrMapOvr>
     <a:masterClrMapping/>
   </p:clrMapOvr>
+  <p:timing>
+    <p:tnLst>
+      <p:par>
+        <p:cTn id="1" dur="indefinite" restart="never" nodeType="tmRoot"/>
+      </p:par>
+    </p:tnLst>
+  </p:timing>
 </p:sld>
 </file>
 
@@ -3303,7 +3462,7 @@
           <a:p>
             <a:r>
               <a:rPr lang="ru-RU" b="1" dirty="0" smtClean="0"/>
-              <a:t>Генерация уровня</a:t>
+              <a:t>Вспомогательное окно</a:t>
             </a:r>
             <a:endParaRPr lang="ru-RU" b="1" dirty="0"/>
           </a:p>
@@ -3332,15 +3491,38 @@
           <a:p>
             <a:r>
               <a:rPr lang="ru-RU" sz="2400" dirty="0" smtClean="0"/>
-              <a:t>Генерация уровня идет по чтению из текст. файла</a:t>
-            </a:r>
-            <a:endParaRPr lang="ru-RU" sz="2400" dirty="0"/>
+              <a:t>Вспомогательное окно в игре – нажатие на клавишу </a:t>
+            </a:r>
+            <a:r>
+              <a:rPr lang="en-US" sz="2400" dirty="0" smtClean="0"/>
+              <a:t>ESC – </a:t>
+            </a:r>
+            <a:r>
+              <a:rPr lang="ru-RU" sz="2400" dirty="0" smtClean="0"/>
+              <a:t>является помощником игрока -</a:t>
+            </a:r>
+            <a:r>
+              <a:rPr lang="en-US" sz="2400" dirty="0" smtClean="0"/>
+              <a:t>&gt; </a:t>
+            </a:r>
+            <a:r>
+              <a:rPr lang="ru-RU" sz="2400" dirty="0" smtClean="0"/>
+              <a:t>дает информацию о положение игрока, способностях персонажа и </a:t>
+            </a:r>
+            <a:r>
+              <a:rPr lang="ru-RU" sz="2400" dirty="0" err="1" smtClean="0"/>
+              <a:t>кулдаунов</a:t>
+            </a:r>
+            <a:r>
+              <a:rPr lang="ru-RU" sz="2400" dirty="0" smtClean="0"/>
+              <a:t>.</a:t>
+            </a:r>
           </a:p>
         </p:txBody>
       </p:sp>
       <p:pic>
         <p:nvPicPr>
-          <p:cNvPr id="1027" name="Picture 3"/>
+          <p:cNvPr id="2052" name="Picture 4"/>
           <p:cNvPicPr>
             <a:picLocks noChangeAspect="1" noChangeArrowheads="1"/>
           </p:cNvPicPr>
@@ -3355,8 +3537,8 @@
         </p:blipFill>
         <p:spPr bwMode="auto">
           <a:xfrm>
-            <a:off x="395536" y="2564904"/>
-            <a:ext cx="5292080" cy="3021707"/>
+            <a:off x="827584" y="2780928"/>
+            <a:ext cx="7560840" cy="3888432"/>
           </a:xfrm>
           <a:prstGeom prst="rect">
             <a:avLst/>
@@ -3371,44 +3553,18 @@
           <a:effectLst/>
         </p:spPr>
       </p:pic>
-      <p:pic>
-        <p:nvPicPr>
-          <p:cNvPr id="1026" name="Picture 2"/>
-          <p:cNvPicPr>
-            <a:picLocks noChangeAspect="1" noChangeArrowheads="1"/>
-          </p:cNvPicPr>
-          <p:nvPr/>
-        </p:nvPicPr>
-        <p:blipFill>
-          <a:blip r:embed="rId3" cstate="print"/>
-          <a:srcRect/>
-          <a:stretch>
-            <a:fillRect/>
-          </a:stretch>
-        </p:blipFill>
-        <p:spPr bwMode="auto">
-          <a:xfrm>
-            <a:off x="4932040" y="2132856"/>
-            <a:ext cx="3888432" cy="4176464"/>
-          </a:xfrm>
-          <a:prstGeom prst="rect">
-            <a:avLst/>
-          </a:prstGeom>
-          <a:noFill/>
-          <a:ln w="9525">
-            <a:noFill/>
-            <a:miter lim="800000"/>
-            <a:headEnd/>
-            <a:tailEnd/>
-          </a:ln>
-          <a:effectLst/>
-        </p:spPr>
-      </p:pic>
     </p:spTree>
   </p:cSld>
   <p:clrMapOvr>
     <a:masterClrMapping/>
   </p:clrMapOvr>
+  <p:timing>
+    <p:tnLst>
+      <p:par>
+        <p:cTn id="1" dur="indefinite" restart="never" nodeType="tmRoot"/>
+      </p:par>
+    </p:tnLst>
+  </p:timing>
 </p:sld>
 </file>
 
@@ -3450,7 +3606,7 @@
           <a:p>
             <a:r>
               <a:rPr lang="ru-RU" b="1" dirty="0" smtClean="0"/>
-              <a:t>Основа</a:t>
+              <a:t>Противники</a:t>
             </a:r>
             <a:endParaRPr lang="ru-RU" b="1" dirty="0"/>
           </a:p>
@@ -3479,23 +3635,21 @@
           <a:p>
             <a:r>
               <a:rPr lang="ru-RU" sz="2400" dirty="0" smtClean="0"/>
-              <a:t>Загрузка изображений + словарь, размер </a:t>
-            </a:r>
-            <a:r>
-              <a:rPr lang="ru-RU" sz="2400" dirty="0" err="1" smtClean="0"/>
-              <a:t>тайлов</a:t>
-            </a:r>
-            <a:r>
-              <a:rPr lang="ru-RU" sz="2400" dirty="0"/>
-              <a:t> </a:t>
+              <a:t>Главными противниками являются грибы – на вид безвредные, но стоит только игроку подойти к грибу он получит урон =</a:t>
+            </a:r>
+            <a:r>
+              <a:rPr lang="en-US" sz="2400" dirty="0" smtClean="0"/>
+              <a:t>&gt; </a:t>
             </a:r>
             <a:r>
               <a:rPr lang="ru-RU" sz="2400" dirty="0" smtClean="0"/>
-              <a:t>и экрана, </a:t>
-            </a:r>
-            <a:r>
-              <a:rPr lang="ru-RU" sz="2400" dirty="0" err="1" smtClean="0"/>
-              <a:t>фпс</a:t>
+              <a:t>грибы не перемещаются в отличие от игрока, но по мере прохождения игры будут доставлять неприятности игроку (мешая пройти или полностью закрывая нужный игроку проход)</a:t>
+            </a:r>
+          </a:p>
+          <a:p>
+            <a:r>
+              <a:rPr lang="ru-RU" sz="2400" dirty="0" smtClean="0"/>
+              <a:t>Вспомогательной проблемой будут ловушки – морозная и куча золота – морозная ловушка ограничит перемещение игрока на 2 хода – а куча золота перенесет игрока на карту без выхода</a:t>
             </a:r>
             <a:endParaRPr lang="ru-RU" sz="2400" dirty="0"/>
           </a:p>
@@ -3503,7 +3657,7 @@
       </p:sp>
       <p:pic>
         <p:nvPicPr>
-          <p:cNvPr id="2050" name="Picture 2"/>
+          <p:cNvPr id="3074" name="Picture 2" descr="C:\Users\79199\PycharmProjects\python_pygame12\data\150icecle.png"/>
           <p:cNvPicPr>
             <a:picLocks noChangeAspect="1" noChangeArrowheads="1"/>
           </p:cNvPicPr>
@@ -3518,25 +3672,18 @@
         </p:blipFill>
         <p:spPr bwMode="auto">
           <a:xfrm>
-            <a:off x="611560" y="2420888"/>
-            <a:ext cx="3905250" cy="1247775"/>
+            <a:off x="2627784" y="5085184"/>
+            <a:ext cx="1008112" cy="1016163"/>
           </a:xfrm>
           <a:prstGeom prst="rect">
             <a:avLst/>
           </a:prstGeom>
           <a:noFill/>
-          <a:ln w="9525">
-            <a:noFill/>
-            <a:miter lim="800000"/>
-            <a:headEnd/>
-            <a:tailEnd/>
-          </a:ln>
-          <a:effectLst/>
         </p:spPr>
       </p:pic>
       <p:pic>
         <p:nvPicPr>
-          <p:cNvPr id="2051" name="Picture 3"/>
+          <p:cNvPr id="3075" name="Picture 3" descr="C:\Users\79199\PycharmProjects\python_pygame12\data\150freezing_trap.png"/>
           <p:cNvPicPr>
             <a:picLocks noChangeAspect="1" noChangeArrowheads="1"/>
           </p:cNvPicPr>
@@ -3551,25 +3698,18 @@
         </p:blipFill>
         <p:spPr bwMode="auto">
           <a:xfrm>
-            <a:off x="4788024" y="2204864"/>
-            <a:ext cx="3816424" cy="3024336"/>
+            <a:off x="3779912" y="4943343"/>
+            <a:ext cx="1152128" cy="1186930"/>
           </a:xfrm>
           <a:prstGeom prst="rect">
             <a:avLst/>
           </a:prstGeom>
           <a:noFill/>
-          <a:ln w="9525">
-            <a:noFill/>
-            <a:miter lim="800000"/>
-            <a:headEnd/>
-            <a:tailEnd/>
-          </a:ln>
-          <a:effectLst/>
         </p:spPr>
       </p:pic>
       <p:pic>
         <p:nvPicPr>
-          <p:cNvPr id="2052" name="Picture 4"/>
+          <p:cNvPr id="3076" name="Picture 4" descr="C:\Users\79199\PycharmProjects\python_pygame12\data\150fake_gold_trap.png"/>
           <p:cNvPicPr>
             <a:picLocks noChangeAspect="1" noChangeArrowheads="1"/>
           </p:cNvPicPr>
@@ -3584,20 +3724,65 @@
         </p:blipFill>
         <p:spPr bwMode="auto">
           <a:xfrm>
-            <a:off x="539552" y="3789040"/>
-            <a:ext cx="4176464" cy="1872208"/>
+            <a:off x="5076056" y="4869160"/>
+            <a:ext cx="1296144" cy="1296144"/>
           </a:xfrm>
           <a:prstGeom prst="rect">
             <a:avLst/>
           </a:prstGeom>
           <a:noFill/>
-          <a:ln w="9525">
-            <a:noFill/>
-            <a:miter lim="800000"/>
-            <a:headEnd/>
-            <a:tailEnd/>
-          </a:ln>
-          <a:effectLst/>
+        </p:spPr>
+      </p:pic>
+      <p:pic>
+        <p:nvPicPr>
+          <p:cNvPr id="3077" name="Picture 5" descr="C:\Users\79199\PycharmProjects\python_pygame12\data\150mushroom.png"/>
+          <p:cNvPicPr>
+            <a:picLocks noChangeAspect="1" noChangeArrowheads="1"/>
+          </p:cNvPicPr>
+          <p:nvPr/>
+        </p:nvPicPr>
+        <p:blipFill>
+          <a:blip r:embed="rId5" cstate="print"/>
+          <a:srcRect/>
+          <a:stretch>
+            <a:fillRect/>
+          </a:stretch>
+        </p:blipFill>
+        <p:spPr bwMode="auto">
+          <a:xfrm>
+            <a:off x="6444208" y="5085184"/>
+            <a:ext cx="936104" cy="936104"/>
+          </a:xfrm>
+          <a:prstGeom prst="rect">
+            <a:avLst/>
+          </a:prstGeom>
+          <a:noFill/>
+        </p:spPr>
+      </p:pic>
+      <p:pic>
+        <p:nvPicPr>
+          <p:cNvPr id="3078" name="Picture 6" descr="C:\Users\79199\PycharmProjects\python_pygame12\data\150blue_mushroom.png"/>
+          <p:cNvPicPr>
+            <a:picLocks noChangeAspect="1" noChangeArrowheads="1"/>
+          </p:cNvPicPr>
+          <p:nvPr/>
+        </p:nvPicPr>
+        <p:blipFill>
+          <a:blip r:embed="rId6" cstate="print"/>
+          <a:srcRect/>
+          <a:stretch>
+            <a:fillRect/>
+          </a:stretch>
+        </p:blipFill>
+        <p:spPr bwMode="auto">
+          <a:xfrm>
+            <a:off x="7524328" y="5085184"/>
+            <a:ext cx="936104" cy="936104"/>
+          </a:xfrm>
+          <a:prstGeom prst="rect">
+            <a:avLst/>
+          </a:prstGeom>
+          <a:noFill/>
         </p:spPr>
       </p:pic>
     </p:spTree>
@@ -3605,6 +3790,13 @@
   <p:clrMapOvr>
     <a:masterClrMapping/>
   </p:clrMapOvr>
+  <p:timing>
+    <p:tnLst>
+      <p:par>
+        <p:cTn id="1" dur="indefinite" restart="never" nodeType="tmRoot"/>
+      </p:par>
+    </p:tnLst>
+  </p:timing>
 </p:sld>
 </file>
 
@@ -3645,8 +3837,12 @@
           <a:lstStyle/>
           <a:p>
             <a:r>
-              <a:rPr lang="ru-RU" b="1" dirty="0" err="1" smtClean="0"/>
-              <a:t>Тайлы</a:t>
+              <a:rPr lang="ru-RU" b="1" dirty="0" smtClean="0"/>
+              <a:t>Уровни игры в </a:t>
+            </a:r>
+            <a:r>
+              <a:rPr lang="en-US" b="1" dirty="0" smtClean="0"/>
+              <a:t>txt</a:t>
             </a:r>
             <a:endParaRPr lang="ru-RU" b="1" dirty="0"/>
           </a:p>
@@ -3675,15 +3871,19 @@
           <a:p>
             <a:r>
               <a:rPr lang="ru-RU" sz="2400" dirty="0" smtClean="0"/>
-              <a:t>Класс </a:t>
-            </a:r>
-            <a:r>
-              <a:rPr lang="ru-RU" sz="2400" dirty="0" err="1" smtClean="0"/>
-              <a:t>тайлов</a:t>
+              <a:t>Все уровни игры хранятся в текстовых файлах -</a:t>
+            </a:r>
+            <a:r>
+              <a:rPr lang="en-US" sz="2400" dirty="0" smtClean="0"/>
+              <a:t>&gt; </a:t>
             </a:r>
             <a:r>
               <a:rPr lang="ru-RU" sz="2400" dirty="0" smtClean="0"/>
-              <a:t> </a:t>
+              <a:t>примеры</a:t>
+            </a:r>
+            <a:r>
+              <a:rPr lang="en-US" sz="2400" dirty="0" smtClean="0"/>
+              <a:t>:</a:t>
             </a:r>
             <a:endParaRPr lang="ru-RU" sz="2400" dirty="0"/>
           </a:p>
@@ -3691,7 +3891,7 @@
       </p:sp>
       <p:pic>
         <p:nvPicPr>
-          <p:cNvPr id="3075" name="Picture 3"/>
+          <p:cNvPr id="1026" name="Picture 2"/>
           <p:cNvPicPr>
             <a:picLocks noChangeAspect="1" noChangeArrowheads="1"/>
           </p:cNvPicPr>
@@ -3706,8 +3906,8 @@
         </p:blipFill>
         <p:spPr bwMode="auto">
           <a:xfrm>
-            <a:off x="683568" y="2636912"/>
-            <a:ext cx="7848872" cy="1733550"/>
+            <a:off x="827584" y="2132856"/>
+            <a:ext cx="4392487" cy="2258992"/>
           </a:xfrm>
           <a:prstGeom prst="rect">
             <a:avLst/>
@@ -3720,6 +3920,806 @@
             <a:tailEnd/>
           </a:ln>
           <a:effectLst/>
+        </p:spPr>
+      </p:pic>
+      <p:pic>
+        <p:nvPicPr>
+          <p:cNvPr id="1027" name="Picture 3"/>
+          <p:cNvPicPr>
+            <a:picLocks noChangeAspect="1" noChangeArrowheads="1"/>
+          </p:cNvPicPr>
+          <p:nvPr/>
+        </p:nvPicPr>
+        <p:blipFill>
+          <a:blip r:embed="rId3" cstate="print"/>
+          <a:srcRect/>
+          <a:stretch>
+            <a:fillRect/>
+          </a:stretch>
+        </p:blipFill>
+        <p:spPr bwMode="auto">
+          <a:xfrm>
+            <a:off x="5364088" y="2204864"/>
+            <a:ext cx="2953873" cy="1944216"/>
+          </a:xfrm>
+          <a:prstGeom prst="rect">
+            <a:avLst/>
+          </a:prstGeom>
+          <a:noFill/>
+          <a:ln w="9525">
+            <a:noFill/>
+            <a:miter lim="800000"/>
+            <a:headEnd/>
+            <a:tailEnd/>
+          </a:ln>
+          <a:effectLst/>
+        </p:spPr>
+      </p:pic>
+      <p:pic>
+        <p:nvPicPr>
+          <p:cNvPr id="1028" name="Picture 4"/>
+          <p:cNvPicPr>
+            <a:picLocks noChangeAspect="1" noChangeArrowheads="1"/>
+          </p:cNvPicPr>
+          <p:nvPr/>
+        </p:nvPicPr>
+        <p:blipFill>
+          <a:blip r:embed="rId4" cstate="print"/>
+          <a:srcRect/>
+          <a:stretch>
+            <a:fillRect/>
+          </a:stretch>
+        </p:blipFill>
+        <p:spPr bwMode="auto">
+          <a:xfrm>
+            <a:off x="3275856" y="4221088"/>
+            <a:ext cx="3240360" cy="1705211"/>
+          </a:xfrm>
+          <a:prstGeom prst="rect">
+            <a:avLst/>
+          </a:prstGeom>
+          <a:noFill/>
+          <a:ln w="9525">
+            <a:noFill/>
+            <a:miter lim="800000"/>
+            <a:headEnd/>
+            <a:tailEnd/>
+          </a:ln>
+          <a:effectLst/>
+        </p:spPr>
+      </p:pic>
+    </p:spTree>
+  </p:cSld>
+  <p:clrMapOvr>
+    <a:masterClrMapping/>
+  </p:clrMapOvr>
+  <p:timing>
+    <p:tnLst>
+      <p:par>
+        <p:cTn id="1" dur="indefinite" restart="never" nodeType="tmRoot"/>
+      </p:par>
+    </p:tnLst>
+  </p:timing>
+</p:sld>
+</file>
+
+<file path=ppt/slides/slide6.xml><?xml version="1.0" encoding="utf-8"?>
+<p:sld xmlns:a="http://schemas.openxmlformats.org/drawingml/2006/main" xmlns:r="http://schemas.openxmlformats.org/officeDocument/2006/relationships" xmlns:p="http://schemas.openxmlformats.org/presentationml/2006/main">
+  <p:cSld>
+    <p:spTree>
+      <p:nvGrpSpPr>
+        <p:cNvPr id="1" name=""/>
+        <p:cNvGrpSpPr/>
+        <p:nvPr/>
+      </p:nvGrpSpPr>
+      <p:grpSpPr>
+        <a:xfrm>
+          <a:off x="0" y="0"/>
+          <a:ext cx="0" cy="0"/>
+          <a:chOff x="0" y="0"/>
+          <a:chExt cx="0" cy="0"/>
+        </a:xfrm>
+      </p:grpSpPr>
+      <p:sp>
+        <p:nvSpPr>
+          <p:cNvPr id="2" name="Заголовок 1"/>
+          <p:cNvSpPr>
+            <a:spLocks noGrp="1"/>
+          </p:cNvSpPr>
+          <p:nvPr>
+            <p:ph type="title"/>
+          </p:nvPr>
+        </p:nvSpPr>
+        <p:spPr>
+          <a:solidFill>
+            <a:schemeClr val="bg1"/>
+          </a:solidFill>
+        </p:spPr>
+        <p:txBody>
+          <a:bodyPr/>
+          <a:lstStyle/>
+          <a:p>
+            <a:r>
+              <a:rPr lang="ru-RU" b="1" dirty="0" smtClean="0"/>
+              <a:t>Генерация и загрузка уровня</a:t>
+            </a:r>
+            <a:endParaRPr lang="ru-RU" b="1" dirty="0"/>
+          </a:p>
+        </p:txBody>
+      </p:sp>
+      <p:sp>
+        <p:nvSpPr>
+          <p:cNvPr id="3" name="Содержимое 2"/>
+          <p:cNvSpPr>
+            <a:spLocks noGrp="1"/>
+          </p:cNvSpPr>
+          <p:nvPr>
+            <p:ph idx="1"/>
+          </p:nvPr>
+        </p:nvSpPr>
+        <p:spPr>
+          <a:solidFill>
+            <a:schemeClr val="bg1"/>
+          </a:solidFill>
+        </p:spPr>
+        <p:txBody>
+          <a:bodyPr>
+            <a:normAutofit/>
+          </a:bodyPr>
+          <a:lstStyle/>
+          <a:p>
+            <a:r>
+              <a:rPr lang="ru-RU" sz="2400" dirty="0" smtClean="0"/>
+              <a:t>Генерация и загрузка (преобразование) уровня происходят в 2 функциях =</a:t>
+            </a:r>
+            <a:r>
+              <a:rPr lang="en-US" sz="2400" dirty="0" smtClean="0"/>
+              <a:t>&gt; </a:t>
+            </a:r>
+            <a:r>
+              <a:rPr lang="en-US" sz="2400" dirty="0" err="1" smtClean="0"/>
+              <a:t>load_level</a:t>
+            </a:r>
+            <a:r>
+              <a:rPr lang="en-US" sz="2400" dirty="0" smtClean="0"/>
+              <a:t> </a:t>
+            </a:r>
+            <a:r>
+              <a:rPr lang="ru-RU" sz="2400" dirty="0" smtClean="0"/>
+              <a:t>и </a:t>
+            </a:r>
+            <a:r>
+              <a:rPr lang="en-US" sz="2400" dirty="0" err="1" smtClean="0"/>
+              <a:t>generate_level</a:t>
+            </a:r>
+            <a:endParaRPr lang="ru-RU" sz="2400" dirty="0"/>
+          </a:p>
+        </p:txBody>
+      </p:sp>
+      <p:pic>
+        <p:nvPicPr>
+          <p:cNvPr id="2050" name="Picture 2"/>
+          <p:cNvPicPr>
+            <a:picLocks noChangeAspect="1" noChangeArrowheads="1"/>
+          </p:cNvPicPr>
+          <p:nvPr/>
+        </p:nvPicPr>
+        <p:blipFill>
+          <a:blip r:embed="rId2" cstate="print"/>
+          <a:srcRect/>
+          <a:stretch>
+            <a:fillRect/>
+          </a:stretch>
+        </p:blipFill>
+        <p:spPr bwMode="auto">
+          <a:xfrm>
+            <a:off x="611560" y="2492896"/>
+            <a:ext cx="6480720" cy="2530321"/>
+          </a:xfrm>
+          <a:prstGeom prst="rect">
+            <a:avLst/>
+          </a:prstGeom>
+          <a:noFill/>
+          <a:ln w="9525">
+            <a:noFill/>
+            <a:miter lim="800000"/>
+            <a:headEnd/>
+            <a:tailEnd/>
+          </a:ln>
+          <a:effectLst/>
+        </p:spPr>
+      </p:pic>
+      <p:pic>
+        <p:nvPicPr>
+          <p:cNvPr id="2051" name="Picture 3"/>
+          <p:cNvPicPr>
+            <a:picLocks noChangeAspect="1" noChangeArrowheads="1"/>
+          </p:cNvPicPr>
+          <p:nvPr/>
+        </p:nvPicPr>
+        <p:blipFill>
+          <a:blip r:embed="rId3" cstate="print"/>
+          <a:srcRect/>
+          <a:stretch>
+            <a:fillRect/>
+          </a:stretch>
+        </p:blipFill>
+        <p:spPr bwMode="auto">
+          <a:xfrm>
+            <a:off x="4283968" y="2564904"/>
+            <a:ext cx="4392488" cy="4181740"/>
+          </a:xfrm>
+          <a:prstGeom prst="rect">
+            <a:avLst/>
+          </a:prstGeom>
+          <a:noFill/>
+          <a:ln w="9525">
+            <a:noFill/>
+            <a:miter lim="800000"/>
+            <a:headEnd/>
+            <a:tailEnd/>
+          </a:ln>
+          <a:effectLst/>
+        </p:spPr>
+      </p:pic>
+    </p:spTree>
+  </p:cSld>
+  <p:clrMapOvr>
+    <a:masterClrMapping/>
+  </p:clrMapOvr>
+  <p:timing>
+    <p:tnLst>
+      <p:par>
+        <p:cTn id="1" dur="indefinite" restart="never" nodeType="tmRoot">
+          <p:childTnLst>
+            <p:seq concurrent="1" nextAc="seek">
+              <p:cTn id="2" dur="indefinite" nodeType="mainSeq">
+                <p:childTnLst>
+                  <p:par>
+                    <p:cTn id="3" fill="hold">
+                      <p:stCondLst>
+                        <p:cond delay="indefinite"/>
+                      </p:stCondLst>
+                      <p:childTnLst>
+                        <p:par>
+                          <p:cTn id="4" fill="hold">
+                            <p:stCondLst>
+                              <p:cond delay="0"/>
+                            </p:stCondLst>
+                            <p:childTnLst>
+                              <p:par>
+                                <p:cTn id="5" presetID="7" presetClass="entr" presetSubtype="2" fill="hold" nodeType="clickEffect">
+                                  <p:stCondLst>
+                                    <p:cond delay="0"/>
+                                  </p:stCondLst>
+                                  <p:childTnLst>
+                                    <p:set>
+                                      <p:cBhvr>
+                                        <p:cTn id="6" dur="1" fill="hold">
+                                          <p:stCondLst>
+                                            <p:cond delay="0"/>
+                                          </p:stCondLst>
+                                        </p:cTn>
+                                        <p:tgtEl>
+                                          <p:spTgt spid="2051"/>
+                                        </p:tgtEl>
+                                        <p:attrNameLst>
+                                          <p:attrName>style.visibility</p:attrName>
+                                        </p:attrNameLst>
+                                      </p:cBhvr>
+                                      <p:to>
+                                        <p:strVal val="visible"/>
+                                      </p:to>
+                                    </p:set>
+                                    <p:anim calcmode="lin" valueType="num">
+                                      <p:cBhvr additive="base">
+                                        <p:cTn id="7" dur="500" fill="hold"/>
+                                        <p:tgtEl>
+                                          <p:spTgt spid="2051"/>
+                                        </p:tgtEl>
+                                        <p:attrNameLst>
+                                          <p:attrName>ppt_x</p:attrName>
+                                        </p:attrNameLst>
+                                      </p:cBhvr>
+                                      <p:tavLst>
+                                        <p:tav tm="0">
+                                          <p:val>
+                                            <p:strVal val="1+#ppt_w/2"/>
+                                          </p:val>
+                                        </p:tav>
+                                        <p:tav tm="100000">
+                                          <p:val>
+                                            <p:strVal val="#ppt_x"/>
+                                          </p:val>
+                                        </p:tav>
+                                      </p:tavLst>
+                                    </p:anim>
+                                    <p:anim calcmode="lin" valueType="num">
+                                      <p:cBhvr additive="base">
+                                        <p:cTn id="8" dur="500" fill="hold"/>
+                                        <p:tgtEl>
+                                          <p:spTgt spid="2051"/>
+                                        </p:tgtEl>
+                                        <p:attrNameLst>
+                                          <p:attrName>ppt_y</p:attrName>
+                                        </p:attrNameLst>
+                                      </p:cBhvr>
+                                      <p:tavLst>
+                                        <p:tav tm="0">
+                                          <p:val>
+                                            <p:strVal val="#ppt_y"/>
+                                          </p:val>
+                                        </p:tav>
+                                        <p:tav tm="100000">
+                                          <p:val>
+                                            <p:strVal val="#ppt_y"/>
+                                          </p:val>
+                                        </p:tav>
+                                      </p:tavLst>
+                                    </p:anim>
+                                  </p:childTnLst>
+                                </p:cTn>
+                              </p:par>
+                            </p:childTnLst>
+                          </p:cTn>
+                        </p:par>
+                      </p:childTnLst>
+                    </p:cTn>
+                  </p:par>
+                </p:childTnLst>
+              </p:cTn>
+              <p:prevCondLst>
+                <p:cond evt="onPrev" delay="0">
+                  <p:tgtEl>
+                    <p:sldTgt/>
+                  </p:tgtEl>
+                </p:cond>
+              </p:prevCondLst>
+              <p:nextCondLst>
+                <p:cond evt="onNext" delay="0">
+                  <p:tgtEl>
+                    <p:sldTgt/>
+                  </p:tgtEl>
+                </p:cond>
+              </p:nextCondLst>
+            </p:seq>
+          </p:childTnLst>
+        </p:cTn>
+      </p:par>
+    </p:tnLst>
+  </p:timing>
+</p:sld>
+</file>
+
+<file path=ppt/slides/slide7.xml><?xml version="1.0" encoding="utf-8"?>
+<p:sld xmlns:a="http://schemas.openxmlformats.org/drawingml/2006/main" xmlns:r="http://schemas.openxmlformats.org/officeDocument/2006/relationships" xmlns:p="http://schemas.openxmlformats.org/presentationml/2006/main">
+  <p:cSld>
+    <p:spTree>
+      <p:nvGrpSpPr>
+        <p:cNvPr id="1" name=""/>
+        <p:cNvGrpSpPr/>
+        <p:nvPr/>
+      </p:nvGrpSpPr>
+      <p:grpSpPr>
+        <a:xfrm>
+          <a:off x="0" y="0"/>
+          <a:ext cx="0" cy="0"/>
+          <a:chOff x="0" y="0"/>
+          <a:chExt cx="0" cy="0"/>
+        </a:xfrm>
+      </p:grpSpPr>
+      <p:sp>
+        <p:nvSpPr>
+          <p:cNvPr id="2" name="Заголовок 1"/>
+          <p:cNvSpPr>
+            <a:spLocks noGrp="1"/>
+          </p:cNvSpPr>
+          <p:nvPr>
+            <p:ph type="title"/>
+          </p:nvPr>
+        </p:nvSpPr>
+        <p:spPr>
+          <a:solidFill>
+            <a:schemeClr val="bg1"/>
+          </a:solidFill>
+        </p:spPr>
+        <p:txBody>
+          <a:bodyPr/>
+          <a:lstStyle/>
+          <a:p>
+            <a:r>
+              <a:rPr lang="ru-RU" b="1" dirty="0" smtClean="0"/>
+              <a:t>Классы </a:t>
+            </a:r>
+            <a:r>
+              <a:rPr lang="ru-RU" b="1" dirty="0" err="1" smtClean="0"/>
+              <a:t>тайла</a:t>
+            </a:r>
+            <a:r>
+              <a:rPr lang="ru-RU" b="1" dirty="0" smtClean="0"/>
+              <a:t> + гриба</a:t>
+            </a:r>
+            <a:endParaRPr lang="ru-RU" b="1" dirty="0"/>
+          </a:p>
+        </p:txBody>
+      </p:sp>
+      <p:sp>
+        <p:nvSpPr>
+          <p:cNvPr id="3" name="Содержимое 2"/>
+          <p:cNvSpPr>
+            <a:spLocks noGrp="1"/>
+          </p:cNvSpPr>
+          <p:nvPr>
+            <p:ph idx="1"/>
+          </p:nvPr>
+        </p:nvSpPr>
+        <p:spPr>
+          <a:solidFill>
+            <a:schemeClr val="bg1"/>
+          </a:solidFill>
+        </p:spPr>
+        <p:txBody>
+          <a:bodyPr/>
+          <a:lstStyle/>
+          <a:p>
+            <a:pPr>
+              <a:buNone/>
+            </a:pPr>
+            <a:endParaRPr lang="ru-RU" dirty="0"/>
+          </a:p>
+        </p:txBody>
+      </p:sp>
+      <p:pic>
+        <p:nvPicPr>
+          <p:cNvPr id="4098" name="Picture 2"/>
+          <p:cNvPicPr>
+            <a:picLocks noChangeAspect="1" noChangeArrowheads="1"/>
+          </p:cNvPicPr>
+          <p:nvPr/>
+        </p:nvPicPr>
+        <p:blipFill>
+          <a:blip r:embed="rId2" cstate="print"/>
+          <a:srcRect/>
+          <a:stretch>
+            <a:fillRect/>
+          </a:stretch>
+        </p:blipFill>
+        <p:spPr bwMode="auto">
+          <a:xfrm>
+            <a:off x="467544" y="1700808"/>
+            <a:ext cx="7992888" cy="1656184"/>
+          </a:xfrm>
+          <a:prstGeom prst="rect">
+            <a:avLst/>
+          </a:prstGeom>
+          <a:noFill/>
+          <a:ln w="9525">
+            <a:noFill/>
+            <a:miter lim="800000"/>
+            <a:headEnd/>
+            <a:tailEnd/>
+          </a:ln>
+          <a:effectLst/>
+        </p:spPr>
+      </p:pic>
+      <p:pic>
+        <p:nvPicPr>
+          <p:cNvPr id="4099" name="Picture 3"/>
+          <p:cNvPicPr>
+            <a:picLocks noChangeAspect="1" noChangeArrowheads="1"/>
+          </p:cNvPicPr>
+          <p:nvPr/>
+        </p:nvPicPr>
+        <p:blipFill>
+          <a:blip r:embed="rId3" cstate="print"/>
+          <a:srcRect/>
+          <a:stretch>
+            <a:fillRect/>
+          </a:stretch>
+        </p:blipFill>
+        <p:spPr bwMode="auto">
+          <a:xfrm>
+            <a:off x="539552" y="3501008"/>
+            <a:ext cx="8227634" cy="2376264"/>
+          </a:xfrm>
+          <a:prstGeom prst="rect">
+            <a:avLst/>
+          </a:prstGeom>
+          <a:noFill/>
+          <a:ln w="9525">
+            <a:noFill/>
+            <a:miter lim="800000"/>
+            <a:headEnd/>
+            <a:tailEnd/>
+          </a:ln>
+          <a:effectLst/>
+        </p:spPr>
+      </p:pic>
+      <p:pic>
+        <p:nvPicPr>
+          <p:cNvPr id="7" name="Picture 4"/>
+          <p:cNvPicPr>
+            <a:picLocks noChangeAspect="1" noChangeArrowheads="1"/>
+          </p:cNvPicPr>
+          <p:nvPr/>
+        </p:nvPicPr>
+        <p:blipFill>
+          <a:blip r:embed="rId4" cstate="print"/>
+          <a:srcRect/>
+          <a:stretch>
+            <a:fillRect/>
+          </a:stretch>
+        </p:blipFill>
+        <p:spPr bwMode="auto">
+          <a:xfrm>
+            <a:off x="467544" y="1628800"/>
+            <a:ext cx="8159474" cy="4392488"/>
+          </a:xfrm>
+          <a:prstGeom prst="rect">
+            <a:avLst/>
+          </a:prstGeom>
+          <a:noFill/>
+          <a:ln w="9525">
+            <a:noFill/>
+            <a:miter lim="800000"/>
+            <a:headEnd/>
+            <a:tailEnd/>
+          </a:ln>
+          <a:effectLst/>
+        </p:spPr>
+      </p:pic>
+    </p:spTree>
+  </p:cSld>
+  <p:clrMapOvr>
+    <a:masterClrMapping/>
+  </p:clrMapOvr>
+  <p:timing>
+    <p:tnLst>
+      <p:par>
+        <p:cTn id="1" dur="indefinite" restart="never" nodeType="tmRoot">
+          <p:childTnLst>
+            <p:seq concurrent="1" nextAc="seek">
+              <p:cTn id="2" dur="indefinite" nodeType="mainSeq">
+                <p:childTnLst>
+                  <p:par>
+                    <p:cTn id="3" fill="hold">
+                      <p:stCondLst>
+                        <p:cond delay="indefinite"/>
+                      </p:stCondLst>
+                      <p:childTnLst>
+                        <p:par>
+                          <p:cTn id="4" fill="hold">
+                            <p:stCondLst>
+                              <p:cond delay="0"/>
+                            </p:stCondLst>
+                            <p:childTnLst>
+                              <p:par>
+                                <p:cTn id="5" presetID="10" presetClass="entr" presetSubtype="0" fill="hold" nodeType="clickEffect">
+                                  <p:stCondLst>
+                                    <p:cond delay="0"/>
+                                  </p:stCondLst>
+                                  <p:childTnLst>
+                                    <p:set>
+                                      <p:cBhvr>
+                                        <p:cTn id="6" dur="1" fill="hold">
+                                          <p:stCondLst>
+                                            <p:cond delay="0"/>
+                                          </p:stCondLst>
+                                        </p:cTn>
+                                        <p:tgtEl>
+                                          <p:spTgt spid="7"/>
+                                        </p:tgtEl>
+                                        <p:attrNameLst>
+                                          <p:attrName>style.visibility</p:attrName>
+                                        </p:attrNameLst>
+                                      </p:cBhvr>
+                                      <p:to>
+                                        <p:strVal val="visible"/>
+                                      </p:to>
+                                    </p:set>
+                                    <p:animEffect transition="in" filter="fade">
+                                      <p:cBhvr>
+                                        <p:cTn id="7" dur="500"/>
+                                        <p:tgtEl>
+                                          <p:spTgt spid="7"/>
+                                        </p:tgtEl>
+                                      </p:cBhvr>
+                                    </p:animEffect>
+                                  </p:childTnLst>
+                                </p:cTn>
+                              </p:par>
+                            </p:childTnLst>
+                          </p:cTn>
+                        </p:par>
+                      </p:childTnLst>
+                    </p:cTn>
+                  </p:par>
+                </p:childTnLst>
+              </p:cTn>
+              <p:prevCondLst>
+                <p:cond evt="onPrev" delay="0">
+                  <p:tgtEl>
+                    <p:sldTgt/>
+                  </p:tgtEl>
+                </p:cond>
+              </p:prevCondLst>
+              <p:nextCondLst>
+                <p:cond evt="onNext" delay="0">
+                  <p:tgtEl>
+                    <p:sldTgt/>
+                  </p:tgtEl>
+                </p:cond>
+              </p:nextCondLst>
+            </p:seq>
+          </p:childTnLst>
+        </p:cTn>
+      </p:par>
+    </p:tnLst>
+  </p:timing>
+</p:sld>
+</file>
+
+<file path=ppt/slides/slide8.xml><?xml version="1.0" encoding="utf-8"?>
+<p:sld xmlns:a="http://schemas.openxmlformats.org/drawingml/2006/main" xmlns:r="http://schemas.openxmlformats.org/officeDocument/2006/relationships" xmlns:p="http://schemas.openxmlformats.org/presentationml/2006/main">
+  <p:cSld>
+    <p:spTree>
+      <p:nvGrpSpPr>
+        <p:cNvPr id="1" name=""/>
+        <p:cNvGrpSpPr/>
+        <p:nvPr/>
+      </p:nvGrpSpPr>
+      <p:grpSpPr>
+        <a:xfrm>
+          <a:off x="0" y="0"/>
+          <a:ext cx="0" cy="0"/>
+          <a:chOff x="0" y="0"/>
+          <a:chExt cx="0" cy="0"/>
+        </a:xfrm>
+      </p:grpSpPr>
+      <p:sp>
+        <p:nvSpPr>
+          <p:cNvPr id="2" name="Заголовок 1"/>
+          <p:cNvSpPr>
+            <a:spLocks noGrp="1"/>
+          </p:cNvSpPr>
+          <p:nvPr>
+            <p:ph type="title"/>
+          </p:nvPr>
+        </p:nvSpPr>
+        <p:spPr>
+          <a:solidFill>
+            <a:schemeClr val="bg1"/>
+          </a:solidFill>
+        </p:spPr>
+        <p:txBody>
+          <a:bodyPr/>
+          <a:lstStyle/>
+          <a:p>
+            <a:r>
+              <a:rPr lang="ru-RU" b="1" dirty="0" smtClean="0"/>
+              <a:t>Итоги</a:t>
+            </a:r>
+            <a:endParaRPr lang="ru-RU" b="1" dirty="0"/>
+          </a:p>
+        </p:txBody>
+      </p:sp>
+      <p:sp>
+        <p:nvSpPr>
+          <p:cNvPr id="3" name="Содержимое 2"/>
+          <p:cNvSpPr>
+            <a:spLocks noGrp="1"/>
+          </p:cNvSpPr>
+          <p:nvPr>
+            <p:ph idx="1"/>
+          </p:nvPr>
+        </p:nvSpPr>
+        <p:spPr>
+          <a:solidFill>
+            <a:schemeClr val="bg1"/>
+          </a:solidFill>
+        </p:spPr>
+        <p:txBody>
+          <a:bodyPr>
+            <a:normAutofit/>
+          </a:bodyPr>
+          <a:lstStyle/>
+          <a:p>
+            <a:r>
+              <a:rPr lang="ru-RU" sz="2400" dirty="0" smtClean="0"/>
+              <a:t>Я думаю, что вернусь еще к этому интересному проекту и смогу доработать те фишки и вещи, что не успел сделать за это время. Так же по итогу отмечу, что было очень весело работать с </a:t>
+            </a:r>
+            <a:r>
+              <a:rPr lang="en-US" sz="2400" dirty="0" err="1" smtClean="0"/>
+              <a:t>pygame</a:t>
+            </a:r>
+            <a:r>
+              <a:rPr lang="en-US" sz="2400" dirty="0" smtClean="0"/>
+              <a:t>. </a:t>
+            </a:r>
+            <a:r>
+              <a:rPr lang="ru-RU" sz="2400" dirty="0" smtClean="0"/>
+              <a:t>Спасибо за внимание!</a:t>
+            </a:r>
+            <a:endParaRPr lang="ru-RU" sz="2400" dirty="0"/>
+          </a:p>
+        </p:txBody>
+      </p:sp>
+      <p:pic>
+        <p:nvPicPr>
+          <p:cNvPr id="3074" name="Picture 2" descr="C:\Users\79199\PycharmProjects\python_pygame12\data\150mushroom.png"/>
+          <p:cNvPicPr>
+            <a:picLocks noChangeAspect="1" noChangeArrowheads="1"/>
+          </p:cNvPicPr>
+          <p:nvPr/>
+        </p:nvPicPr>
+        <p:blipFill>
+          <a:blip r:embed="rId2" cstate="print"/>
+          <a:srcRect/>
+          <a:stretch>
+            <a:fillRect/>
+          </a:stretch>
+        </p:blipFill>
+        <p:spPr bwMode="auto">
+          <a:xfrm>
+            <a:off x="1187624" y="3501008"/>
+            <a:ext cx="2016224" cy="2016224"/>
+          </a:xfrm>
+          <a:prstGeom prst="rect">
+            <a:avLst/>
+          </a:prstGeom>
+          <a:noFill/>
+        </p:spPr>
+      </p:pic>
+      <p:pic>
+        <p:nvPicPr>
+          <p:cNvPr id="3075" name="Picture 3" descr="C:\Users\79199\PycharmProjects\python_pygame12\data\150mushroom.png"/>
+          <p:cNvPicPr>
+            <a:picLocks noChangeAspect="1" noChangeArrowheads="1"/>
+          </p:cNvPicPr>
+          <p:nvPr/>
+        </p:nvPicPr>
+        <p:blipFill>
+          <a:blip r:embed="rId2" cstate="print"/>
+          <a:srcRect/>
+          <a:stretch>
+            <a:fillRect/>
+          </a:stretch>
+        </p:blipFill>
+        <p:spPr bwMode="auto">
+          <a:xfrm>
+            <a:off x="3779912" y="3573016"/>
+            <a:ext cx="1728192" cy="1728192"/>
+          </a:xfrm>
+          <a:prstGeom prst="rect">
+            <a:avLst/>
+          </a:prstGeom>
+          <a:noFill/>
+        </p:spPr>
+      </p:pic>
+      <p:pic>
+        <p:nvPicPr>
+          <p:cNvPr id="3076" name="Picture 4" descr="C:\Users\79199\PycharmProjects\python_pygame12\data\150mushroom.png"/>
+          <p:cNvPicPr>
+            <a:picLocks noChangeAspect="1" noChangeArrowheads="1"/>
+          </p:cNvPicPr>
+          <p:nvPr/>
+        </p:nvPicPr>
+        <p:blipFill>
+          <a:blip r:embed="rId2" cstate="print"/>
+          <a:srcRect/>
+          <a:stretch>
+            <a:fillRect/>
+          </a:stretch>
+        </p:blipFill>
+        <p:spPr bwMode="auto">
+          <a:xfrm>
+            <a:off x="6084168" y="3573016"/>
+            <a:ext cx="1944216" cy="1944216"/>
+          </a:xfrm>
+          <a:prstGeom prst="rect">
+            <a:avLst/>
+          </a:prstGeom>
+          <a:noFill/>
         </p:spPr>
       </p:pic>
     </p:spTree>
